--- a/Figures and Paper/Figure PPTs/Cross-Section Figure.pptx
+++ b/Figures and Paper/Figure PPTs/Cross-Section Figure.pptx
@@ -243,7 +243,7 @@
           <a:p>
             <a:fld id="{88947CD3-F325-4A79-BBD4-749963C6CC44}" type="datetimeFigureOut">
               <a:rPr lang="en-US" smtClean="0"/>
-              <a:t>9/14/2022</a:t>
+              <a:t>9/16/2022</a:t>
             </a:fld>
             <a:endParaRPr lang="en-US"/>
           </a:p>
@@ -413,7 +413,7 @@
           <a:p>
             <a:fld id="{88947CD3-F325-4A79-BBD4-749963C6CC44}" type="datetimeFigureOut">
               <a:rPr lang="en-US" smtClean="0"/>
-              <a:t>9/14/2022</a:t>
+              <a:t>9/16/2022</a:t>
             </a:fld>
             <a:endParaRPr lang="en-US"/>
           </a:p>
@@ -593,7 +593,7 @@
           <a:p>
             <a:fld id="{88947CD3-F325-4A79-BBD4-749963C6CC44}" type="datetimeFigureOut">
               <a:rPr lang="en-US" smtClean="0"/>
-              <a:t>9/14/2022</a:t>
+              <a:t>9/16/2022</a:t>
             </a:fld>
             <a:endParaRPr lang="en-US"/>
           </a:p>
@@ -763,7 +763,7 @@
           <a:p>
             <a:fld id="{88947CD3-F325-4A79-BBD4-749963C6CC44}" type="datetimeFigureOut">
               <a:rPr lang="en-US" smtClean="0"/>
-              <a:t>9/14/2022</a:t>
+              <a:t>9/16/2022</a:t>
             </a:fld>
             <a:endParaRPr lang="en-US"/>
           </a:p>
@@ -1007,7 +1007,7 @@
           <a:p>
             <a:fld id="{88947CD3-F325-4A79-BBD4-749963C6CC44}" type="datetimeFigureOut">
               <a:rPr lang="en-US" smtClean="0"/>
-              <a:t>9/14/2022</a:t>
+              <a:t>9/16/2022</a:t>
             </a:fld>
             <a:endParaRPr lang="en-US"/>
           </a:p>
@@ -1239,7 +1239,7 @@
           <a:p>
             <a:fld id="{88947CD3-F325-4A79-BBD4-749963C6CC44}" type="datetimeFigureOut">
               <a:rPr lang="en-US" smtClean="0"/>
-              <a:t>9/14/2022</a:t>
+              <a:t>9/16/2022</a:t>
             </a:fld>
             <a:endParaRPr lang="en-US"/>
           </a:p>
@@ -1606,7 +1606,7 @@
           <a:p>
             <a:fld id="{88947CD3-F325-4A79-BBD4-749963C6CC44}" type="datetimeFigureOut">
               <a:rPr lang="en-US" smtClean="0"/>
-              <a:t>9/14/2022</a:t>
+              <a:t>9/16/2022</a:t>
             </a:fld>
             <a:endParaRPr lang="en-US"/>
           </a:p>
@@ -1724,7 +1724,7 @@
           <a:p>
             <a:fld id="{88947CD3-F325-4A79-BBD4-749963C6CC44}" type="datetimeFigureOut">
               <a:rPr lang="en-US" smtClean="0"/>
-              <a:t>9/14/2022</a:t>
+              <a:t>9/16/2022</a:t>
             </a:fld>
             <a:endParaRPr lang="en-US"/>
           </a:p>
@@ -1819,7 +1819,7 @@
           <a:p>
             <a:fld id="{88947CD3-F325-4A79-BBD4-749963C6CC44}" type="datetimeFigureOut">
               <a:rPr lang="en-US" smtClean="0"/>
-              <a:t>9/14/2022</a:t>
+              <a:t>9/16/2022</a:t>
             </a:fld>
             <a:endParaRPr lang="en-US"/>
           </a:p>
@@ -2096,7 +2096,7 @@
           <a:p>
             <a:fld id="{88947CD3-F325-4A79-BBD4-749963C6CC44}" type="datetimeFigureOut">
               <a:rPr lang="en-US" smtClean="0"/>
-              <a:t>9/14/2022</a:t>
+              <a:t>9/16/2022</a:t>
             </a:fld>
             <a:endParaRPr lang="en-US"/>
           </a:p>
@@ -2353,7 +2353,7 @@
           <a:p>
             <a:fld id="{88947CD3-F325-4A79-BBD4-749963C6CC44}" type="datetimeFigureOut">
               <a:rPr lang="en-US" smtClean="0"/>
-              <a:t>9/14/2022</a:t>
+              <a:t>9/16/2022</a:t>
             </a:fld>
             <a:endParaRPr lang="en-US"/>
           </a:p>
@@ -2566,7 +2566,7 @@
           <a:p>
             <a:fld id="{88947CD3-F325-4A79-BBD4-749963C6CC44}" type="datetimeFigureOut">
               <a:rPr lang="en-US" smtClean="0"/>
-              <a:t>9/14/2022</a:t>
+              <a:t>9/16/2022</a:t>
             </a:fld>
             <a:endParaRPr lang="en-US"/>
           </a:p>
@@ -4048,6 +4048,271 @@
           </a:p>
         </p:txBody>
       </p:sp>
+      <p:sp>
+        <p:nvSpPr>
+          <p:cNvPr id="3" name="Oval 2">
+            <a:extLst>
+              <a:ext uri="{FF2B5EF4-FFF2-40B4-BE49-F238E27FC236}">
+                <a16:creationId xmlns:a16="http://schemas.microsoft.com/office/drawing/2014/main" id="{06D237B8-4824-474A-8A08-71A66DC7FC9A}"/>
+              </a:ext>
+            </a:extLst>
+          </p:cNvPr>
+          <p:cNvSpPr/>
+          <p:nvPr/>
+        </p:nvSpPr>
+        <p:spPr>
+          <a:xfrm>
+            <a:off x="1383825" y="950259"/>
+            <a:ext cx="50528" cy="50528"/>
+          </a:xfrm>
+          <a:prstGeom prst="ellipse">
+            <a:avLst/>
+          </a:prstGeom>
+          <a:solidFill>
+            <a:schemeClr val="accent2"/>
+          </a:solidFill>
+          <a:ln>
+            <a:solidFill>
+              <a:schemeClr val="accent2"/>
+            </a:solidFill>
+          </a:ln>
+        </p:spPr>
+        <p:style>
+          <a:lnRef idx="2">
+            <a:schemeClr val="accent1">
+              <a:shade val="50000"/>
+            </a:schemeClr>
+          </a:lnRef>
+          <a:fillRef idx="1">
+            <a:schemeClr val="accent1"/>
+          </a:fillRef>
+          <a:effectRef idx="0">
+            <a:schemeClr val="accent1"/>
+          </a:effectRef>
+          <a:fontRef idx="minor">
+            <a:schemeClr val="lt1"/>
+          </a:fontRef>
+        </p:style>
+        <p:txBody>
+          <a:bodyPr rtlCol="0" anchor="ctr"/>
+          <a:lstStyle/>
+          <a:p>
+            <a:pPr algn="ctr"/>
+            <a:endParaRPr lang="en-US"/>
+          </a:p>
+        </p:txBody>
+      </p:sp>
+      <mc:AlternateContent xmlns:mc="http://schemas.openxmlformats.org/markup-compatibility/2006">
+        <mc:Choice xmlns:a14="http://schemas.microsoft.com/office/drawing/2010/main" Requires="a14">
+          <p:sp>
+            <p:nvSpPr>
+              <p:cNvPr id="28" name="TextBox 27">
+                <a:extLst>
+                  <a:ext uri="{FF2B5EF4-FFF2-40B4-BE49-F238E27FC236}">
+                    <a16:creationId xmlns:a16="http://schemas.microsoft.com/office/drawing/2014/main" id="{2E08F4E9-1FB5-45A9-8DED-5378E517F590}"/>
+                  </a:ext>
+                </a:extLst>
+              </p:cNvPr>
+              <p:cNvSpPr txBox="1"/>
+              <p:nvPr/>
+            </p:nvSpPr>
+            <p:spPr>
+              <a:xfrm>
+                <a:off x="1067310" y="711344"/>
+                <a:ext cx="633029" cy="276999"/>
+              </a:xfrm>
+              <a:prstGeom prst="rect">
+                <a:avLst/>
+              </a:prstGeom>
+              <a:noFill/>
+            </p:spPr>
+            <p:txBody>
+              <a:bodyPr wrap="square" rtlCol="0">
+                <a:spAutoFit/>
+              </a:bodyPr>
+              <a:lstStyle/>
+              <a:p>
+                <a:pPr/>
+                <a14:m>
+                  <m:oMathPara xmlns:m="http://schemas.openxmlformats.org/officeDocument/2006/math">
+                    <m:oMathParaPr>
+                      <m:jc m:val="centerGroup"/>
+                    </m:oMathParaPr>
+                    <m:oMath xmlns:m="http://schemas.openxmlformats.org/officeDocument/2006/math">
+                      <m:sSubSup>
+                        <m:sSubSupPr>
+                          <m:ctrlPr>
+                            <a:rPr lang="en-US" sz="1200" b="1" i="1" smtClean="0">
+                              <a:solidFill>
+                                <a:schemeClr val="accent2"/>
+                              </a:solidFill>
+                              <a:latin typeface="Cambria Math" panose="02040503050406030204" pitchFamily="18" charset="0"/>
+                            </a:rPr>
+                          </m:ctrlPr>
+                        </m:sSubSupPr>
+                        <m:e>
+                          <m:r>
+                            <a:rPr lang="en-US" sz="1200" b="1" i="1" smtClean="0">
+                              <a:solidFill>
+                                <a:schemeClr val="accent2"/>
+                              </a:solidFill>
+                              <a:latin typeface="Cambria Math" panose="02040503050406030204" pitchFamily="18" charset="0"/>
+                            </a:rPr>
+                            <m:t>(</m:t>
+                          </m:r>
+                          <m:r>
+                            <a:rPr lang="en-US" sz="1200" b="1" i="1" smtClean="0">
+                              <a:solidFill>
+                                <a:schemeClr val="accent2"/>
+                              </a:solidFill>
+                              <a:latin typeface="Cambria Math" panose="02040503050406030204" pitchFamily="18" charset="0"/>
+                            </a:rPr>
+                            <m:t>𝒙</m:t>
+                          </m:r>
+                        </m:e>
+                        <m:sub>
+                          <m:r>
+                            <a:rPr lang="en-US" sz="1200" b="1" i="1" smtClean="0">
+                              <a:solidFill>
+                                <a:schemeClr val="accent2"/>
+                              </a:solidFill>
+                              <a:latin typeface="Cambria Math" panose="02040503050406030204" pitchFamily="18" charset="0"/>
+                            </a:rPr>
+                            <m:t>𝟎</m:t>
+                          </m:r>
+                        </m:sub>
+                        <m:sup>
+                          <m:r>
+                            <a:rPr lang="en-US" sz="1200" b="1" i="1" smtClean="0">
+                              <a:solidFill>
+                                <a:schemeClr val="accent2"/>
+                              </a:solidFill>
+                              <a:latin typeface="Cambria Math" panose="02040503050406030204" pitchFamily="18" charset="0"/>
+                            </a:rPr>
+                            <m:t>′</m:t>
+                          </m:r>
+                        </m:sup>
+                      </m:sSubSup>
+                      <m:r>
+                        <a:rPr lang="en-US" sz="1200" b="1" i="1" smtClean="0">
+                          <a:solidFill>
+                            <a:schemeClr val="accent2"/>
+                          </a:solidFill>
+                          <a:latin typeface="Cambria Math" panose="02040503050406030204" pitchFamily="18" charset="0"/>
+                        </a:rPr>
+                        <m:t>,</m:t>
+                      </m:r>
+                      <m:sSubSup>
+                        <m:sSubSupPr>
+                          <m:ctrlPr>
+                            <a:rPr lang="en-US" sz="1200" b="1" i="1" smtClean="0">
+                              <a:solidFill>
+                                <a:schemeClr val="accent2"/>
+                              </a:solidFill>
+                              <a:latin typeface="Cambria Math" panose="02040503050406030204" pitchFamily="18" charset="0"/>
+                            </a:rPr>
+                          </m:ctrlPr>
+                        </m:sSubSupPr>
+                        <m:e>
+                          <m:r>
+                            <a:rPr lang="en-US" sz="1200" b="1" i="1" smtClean="0">
+                              <a:solidFill>
+                                <a:schemeClr val="accent2"/>
+                              </a:solidFill>
+                              <a:latin typeface="Cambria Math" panose="02040503050406030204" pitchFamily="18" charset="0"/>
+                            </a:rPr>
+                            <m:t>𝒛</m:t>
+                          </m:r>
+                        </m:e>
+                        <m:sub>
+                          <m:r>
+                            <a:rPr lang="en-US" sz="1200" b="1" i="1" smtClean="0">
+                              <a:solidFill>
+                                <a:schemeClr val="accent2"/>
+                              </a:solidFill>
+                              <a:latin typeface="Cambria Math" panose="02040503050406030204" pitchFamily="18" charset="0"/>
+                            </a:rPr>
+                            <m:t>𝟎</m:t>
+                          </m:r>
+                        </m:sub>
+                        <m:sup>
+                          <m:r>
+                            <a:rPr lang="en-US" sz="1200" b="1" i="1" smtClean="0">
+                              <a:solidFill>
+                                <a:schemeClr val="accent2"/>
+                              </a:solidFill>
+                              <a:latin typeface="Cambria Math" panose="02040503050406030204" pitchFamily="18" charset="0"/>
+                            </a:rPr>
+                            <m:t>′</m:t>
+                          </m:r>
+                        </m:sup>
+                      </m:sSubSup>
+                      <m:r>
+                        <a:rPr lang="en-US" sz="1200" b="1" i="1" smtClean="0">
+                          <a:solidFill>
+                            <a:schemeClr val="accent2"/>
+                          </a:solidFill>
+                          <a:latin typeface="Cambria Math" panose="02040503050406030204" pitchFamily="18" charset="0"/>
+                        </a:rPr>
+                        <m:t>)</m:t>
+                      </m:r>
+                    </m:oMath>
+                  </m:oMathPara>
+                </a14:m>
+                <a:endParaRPr lang="en-US" sz="1200" b="1" dirty="0">
+                  <a:solidFill>
+                    <a:schemeClr val="accent2"/>
+                  </a:solidFill>
+                </a:endParaRPr>
+              </a:p>
+            </p:txBody>
+          </p:sp>
+        </mc:Choice>
+        <mc:Fallback>
+          <p:sp>
+            <p:nvSpPr>
+              <p:cNvPr id="28" name="TextBox 27">
+                <a:extLst>
+                  <a:ext uri="{FF2B5EF4-FFF2-40B4-BE49-F238E27FC236}">
+                    <a16:creationId xmlns:a16="http://schemas.microsoft.com/office/drawing/2014/main" id="{2E08F4E9-1FB5-45A9-8DED-5378E517F590}"/>
+                  </a:ext>
+                </a:extLst>
+              </p:cNvPr>
+              <p:cNvSpPr txBox="1">
+                <a:spLocks noRot="1" noChangeAspect="1" noMove="1" noResize="1" noEditPoints="1" noAdjustHandles="1" noChangeArrowheads="1" noChangeShapeType="1" noTextEdit="1"/>
+              </p:cNvSpPr>
+              <p:nvPr/>
+            </p:nvSpPr>
+            <p:spPr>
+              <a:xfrm>
+                <a:off x="1067310" y="711344"/>
+                <a:ext cx="633029" cy="276999"/>
+              </a:xfrm>
+              <a:prstGeom prst="rect">
+                <a:avLst/>
+              </a:prstGeom>
+              <a:blipFill>
+                <a:blip r:embed="rId6"/>
+                <a:stretch>
+                  <a:fillRect r="-4808" b="-8889"/>
+                </a:stretch>
+              </a:blipFill>
+            </p:spPr>
+            <p:txBody>
+              <a:bodyPr/>
+              <a:lstStyle/>
+              <a:p>
+                <a:r>
+                  <a:rPr lang="en-US">
+                    <a:noFill/>
+                  </a:rPr>
+                  <a:t> </a:t>
+                </a:r>
+              </a:p>
+            </p:txBody>
+          </p:sp>
+        </mc:Fallback>
+      </mc:AlternateContent>
     </p:spTree>
     <p:extLst>
       <p:ext uri="{BB962C8B-B14F-4D97-AF65-F5344CB8AC3E}">
